--- a/lectures/CSE8AW20-02-06-Lec10-Arrays-All-Day/CSE8AW20-02-06-Lec10-Java-Arrays-All-Day-Slides.pptx
+++ b/lectures/CSE8AW20-02-06-Lec10-Arrays-All-Day/CSE8AW20-02-06-Lec10-Java-Arrays-All-Day-Slides.pptx
@@ -5,7 +5,7 @@
     <p:sldMasterId id="2147483648" r:id="rId1"/>
   </p:sldMasterIdLst>
   <p:notesMasterIdLst>
-    <p:notesMasterId r:id="rId20"/>
+    <p:notesMasterId r:id="rId21"/>
   </p:notesMasterIdLst>
   <p:sldIdLst>
     <p:sldId id="266" r:id="rId2"/>
@@ -23,9 +23,10 @@
     <p:sldId id="372" r:id="rId14"/>
     <p:sldId id="373" r:id="rId15"/>
     <p:sldId id="374" r:id="rId16"/>
-    <p:sldId id="259" r:id="rId17"/>
-    <p:sldId id="260" r:id="rId18"/>
-    <p:sldId id="375" r:id="rId19"/>
+    <p:sldId id="376" r:id="rId17"/>
+    <p:sldId id="259" r:id="rId18"/>
+    <p:sldId id="260" r:id="rId19"/>
+    <p:sldId id="375" r:id="rId20"/>
   </p:sldIdLst>
   <p:sldSz cx="12192000" cy="6858000"/>
   <p:notesSz cx="6858000" cy="9144000"/>
@@ -214,7 +215,7 @@
           <a:p>
             <a:fld id="{FA117288-13F6-A645-A1EE-CC48E87078BF}" type="datetimeFigureOut">
               <a:rPr lang="en-US" smtClean="0"/>
-              <a:t>2/4/20</a:t>
+              <a:t>2/6/20</a:t>
             </a:fld>
             <a:endParaRPr lang="en-US"/>
           </a:p>
@@ -594,7 +595,7 @@
         </p:nvSpPr>
         <p:spPr>
           <a:xfrm>
-            <a:off x="381300" y="685800"/>
+            <a:off x="381000" y="685800"/>
             <a:ext cx="6096000" cy="3429000"/>
           </a:xfrm>
           <a:custGeom>
@@ -1911,7 +1912,7 @@
           <a:p>
             <a:fld id="{CBA7B51C-4A64-5C42-B93F-3A6373E2DB39}" type="datetimeFigureOut">
               <a:rPr lang="en-US" smtClean="0"/>
-              <a:t>2/4/20</a:t>
+              <a:t>2/6/20</a:t>
             </a:fld>
             <a:endParaRPr lang="en-US"/>
           </a:p>
@@ -2109,7 +2110,7 @@
           <a:p>
             <a:fld id="{CBA7B51C-4A64-5C42-B93F-3A6373E2DB39}" type="datetimeFigureOut">
               <a:rPr lang="en-US" smtClean="0"/>
-              <a:t>2/4/20</a:t>
+              <a:t>2/6/20</a:t>
             </a:fld>
             <a:endParaRPr lang="en-US"/>
           </a:p>
@@ -2317,7 +2318,7 @@
           <a:p>
             <a:fld id="{CBA7B51C-4A64-5C42-B93F-3A6373E2DB39}" type="datetimeFigureOut">
               <a:rPr lang="en-US" smtClean="0"/>
-              <a:t>2/4/20</a:t>
+              <a:t>2/6/20</a:t>
             </a:fld>
             <a:endParaRPr lang="en-US"/>
           </a:p>
@@ -2874,7 +2875,7 @@
           <a:p>
             <a:fld id="{CBA7B51C-4A64-5C42-B93F-3A6373E2DB39}" type="datetimeFigureOut">
               <a:rPr lang="en-US" smtClean="0"/>
-              <a:t>2/4/20</a:t>
+              <a:t>2/6/20</a:t>
             </a:fld>
             <a:endParaRPr lang="en-US"/>
           </a:p>
@@ -3149,7 +3150,7 @@
           <a:p>
             <a:fld id="{CBA7B51C-4A64-5C42-B93F-3A6373E2DB39}" type="datetimeFigureOut">
               <a:rPr lang="en-US" smtClean="0"/>
-              <a:t>2/4/20</a:t>
+              <a:t>2/6/20</a:t>
             </a:fld>
             <a:endParaRPr lang="en-US"/>
           </a:p>
@@ -3414,7 +3415,7 @@
           <a:p>
             <a:fld id="{CBA7B51C-4A64-5C42-B93F-3A6373E2DB39}" type="datetimeFigureOut">
               <a:rPr lang="en-US" smtClean="0"/>
-              <a:t>2/4/20</a:t>
+              <a:t>2/6/20</a:t>
             </a:fld>
             <a:endParaRPr lang="en-US"/>
           </a:p>
@@ -3826,7 +3827,7 @@
           <a:p>
             <a:fld id="{CBA7B51C-4A64-5C42-B93F-3A6373E2DB39}" type="datetimeFigureOut">
               <a:rPr lang="en-US" smtClean="0"/>
-              <a:t>2/4/20</a:t>
+              <a:t>2/6/20</a:t>
             </a:fld>
             <a:endParaRPr lang="en-US"/>
           </a:p>
@@ -3967,7 +3968,7 @@
           <a:p>
             <a:fld id="{CBA7B51C-4A64-5C42-B93F-3A6373E2DB39}" type="datetimeFigureOut">
               <a:rPr lang="en-US" smtClean="0"/>
-              <a:t>2/4/20</a:t>
+              <a:t>2/6/20</a:t>
             </a:fld>
             <a:endParaRPr lang="en-US"/>
           </a:p>
@@ -4080,7 +4081,7 @@
           <a:p>
             <a:fld id="{CBA7B51C-4A64-5C42-B93F-3A6373E2DB39}" type="datetimeFigureOut">
               <a:rPr lang="en-US" smtClean="0"/>
-              <a:t>2/4/20</a:t>
+              <a:t>2/6/20</a:t>
             </a:fld>
             <a:endParaRPr lang="en-US"/>
           </a:p>
@@ -4391,7 +4392,7 @@
           <a:p>
             <a:fld id="{CBA7B51C-4A64-5C42-B93F-3A6373E2DB39}" type="datetimeFigureOut">
               <a:rPr lang="en-US" smtClean="0"/>
-              <a:t>2/4/20</a:t>
+              <a:t>2/6/20</a:t>
             </a:fld>
             <a:endParaRPr lang="en-US"/>
           </a:p>
@@ -4679,7 +4680,7 @@
           <a:p>
             <a:fld id="{CBA7B51C-4A64-5C42-B93F-3A6373E2DB39}" type="datetimeFigureOut">
               <a:rPr lang="en-US" smtClean="0"/>
-              <a:t>2/4/20</a:t>
+              <a:t>2/6/20</a:t>
             </a:fld>
             <a:endParaRPr lang="en-US"/>
           </a:p>
@@ -4920,7 +4921,7 @@
           <a:p>
             <a:fld id="{CBA7B51C-4A64-5C42-B93F-3A6373E2DB39}" type="datetimeFigureOut">
               <a:rPr lang="en-US" smtClean="0"/>
-              <a:t>2/4/20</a:t>
+              <a:t>2/6/20</a:t>
             </a:fld>
             <a:endParaRPr lang="en-US"/>
           </a:p>
@@ -7021,6 +7022,9 @@
           <a:p>
             <a:r>
               <a:rPr lang="en" sz="2400" dirty="0">
+                <a:highlight>
+                  <a:srgbClr val="FFFF00"/>
+                </a:highlight>
                 <a:latin typeface="Roboto Mono"/>
                 <a:ea typeface="Roboto Mono"/>
                 <a:cs typeface="Roboto Mono"/>
@@ -7029,6 +7033,9 @@
               <a:t>B: Z	a</a:t>
             </a:r>
             <a:endParaRPr sz="2400" dirty="0">
+              <a:highlight>
+                <a:srgbClr val="FFFF00"/>
+              </a:highlight>
               <a:latin typeface="Roboto Mono"/>
               <a:ea typeface="Roboto Mono"/>
               <a:cs typeface="Roboto Mono"/>
@@ -7220,11 +7227,18 @@
               <a:buNone/>
             </a:pPr>
             <a:r>
+              <a:rPr lang="en-US" dirty="0" err="1">
+                <a:latin typeface="Consolas" panose="020B0609020204030204" pitchFamily="49" charset="0"/>
+                <a:cs typeface="Consolas" panose="020B0609020204030204" pitchFamily="49" charset="0"/>
+              </a:rPr>
+              <a:t>System.out.println</a:t>
+            </a:r>
+            <a:r>
               <a:rPr lang="en-US" dirty="0">
                 <a:latin typeface="Consolas" panose="020B0609020204030204" pitchFamily="49" charset="0"/>
                 <a:cs typeface="Consolas" panose="020B0609020204030204" pitchFamily="49" charset="0"/>
               </a:rPr>
-              <a:t>System.out.println(letters[0] + "\t" + </a:t>
+              <a:t>(letters[0] + "\t" + </a:t>
             </a:r>
             <a:r>
               <a:rPr lang="en-US" dirty="0" err="1">
@@ -7319,6 +7333,9 @@
           <a:p>
             <a:r>
               <a:rPr lang="en" sz="2400" dirty="0">
+                <a:highlight>
+                  <a:srgbClr val="FFFF00"/>
+                </a:highlight>
                 <a:latin typeface="Roboto Mono"/>
                 <a:ea typeface="Roboto Mono"/>
                 <a:cs typeface="Roboto Mono"/>
@@ -7327,6 +7344,9 @@
               <a:t>B: Z	a</a:t>
             </a:r>
             <a:endParaRPr sz="2400" dirty="0">
+              <a:highlight>
+                <a:srgbClr val="FFFF00"/>
+              </a:highlight>
               <a:latin typeface="Roboto Mono"/>
               <a:ea typeface="Roboto Mono"/>
               <a:cs typeface="Roboto Mono"/>
@@ -7651,6 +7671,9 @@
           <a:p>
             <a:r>
               <a:rPr lang="en" sz="2400" dirty="0">
+                <a:highlight>
+                  <a:srgbClr val="FFFF00"/>
+                </a:highlight>
                 <a:latin typeface="Roboto Mono"/>
                 <a:ea typeface="Roboto Mono"/>
                 <a:cs typeface="Roboto Mono"/>
@@ -7659,6 +7682,9 @@
               <a:t>D: Z	Z</a:t>
             </a:r>
             <a:endParaRPr sz="2400" dirty="0">
+              <a:highlight>
+                <a:srgbClr val="FFFF00"/>
+              </a:highlight>
               <a:latin typeface="Roboto Mono"/>
               <a:ea typeface="Roboto Mono"/>
               <a:cs typeface="Roboto Mono"/>
@@ -7968,6 +7994,9 @@
           <a:p>
             <a:r>
               <a:rPr lang="en" sz="2400" dirty="0">
+                <a:highlight>
+                  <a:srgbClr val="FFFF00"/>
+                </a:highlight>
                 <a:latin typeface="Roboto Mono"/>
                 <a:ea typeface="Roboto Mono"/>
                 <a:cs typeface="Roboto Mono"/>
@@ -7976,6 +8005,9 @@
               <a:t>D: Z	Z</a:t>
             </a:r>
             <a:endParaRPr sz="2400" dirty="0">
+              <a:highlight>
+                <a:srgbClr val="FFFF00"/>
+              </a:highlight>
               <a:latin typeface="Roboto Mono"/>
               <a:ea typeface="Roboto Mono"/>
               <a:cs typeface="Roboto Mono"/>
@@ -8251,6 +8283,9 @@
           <a:p>
             <a:r>
               <a:rPr lang="en" sz="2400" dirty="0">
+                <a:highlight>
+                  <a:srgbClr val="FFFF00"/>
+                </a:highlight>
                 <a:latin typeface="Roboto Mono"/>
                 <a:ea typeface="Roboto Mono"/>
                 <a:cs typeface="Roboto Mono"/>
@@ -8259,6 +8294,9 @@
               <a:t>B: Z	a</a:t>
             </a:r>
             <a:endParaRPr sz="2400" dirty="0">
+              <a:highlight>
+                <a:srgbClr val="FFFF00"/>
+              </a:highlight>
               <a:latin typeface="Roboto Mono"/>
               <a:ea typeface="Roboto Mono"/>
               <a:cs typeface="Roboto Mono"/>
@@ -8331,6 +8369,336 @@
 </file>
 
 <file path=ppt/slides/slide16.xml><?xml version="1.0" encoding="utf-8"?>
+<p:sld xmlns:a="http://schemas.openxmlformats.org/drawingml/2006/main" xmlns:r="http://schemas.openxmlformats.org/officeDocument/2006/relationships" xmlns:p="http://schemas.openxmlformats.org/presentationml/2006/main">
+  <p:cSld>
+    <p:spTree>
+      <p:nvGrpSpPr>
+        <p:cNvPr id="1" name=""/>
+        <p:cNvGrpSpPr/>
+        <p:nvPr/>
+      </p:nvGrpSpPr>
+      <p:grpSpPr>
+        <a:xfrm>
+          <a:off x="0" y="0"/>
+          <a:ext cx="0" cy="0"/>
+          <a:chOff x="0" y="0"/>
+          <a:chExt cx="0" cy="0"/>
+        </a:xfrm>
+      </p:grpSpPr>
+      <p:sp>
+        <p:nvSpPr>
+          <p:cNvPr id="2" name="Title 1">
+            <a:extLst>
+              <a:ext uri="{FF2B5EF4-FFF2-40B4-BE49-F238E27FC236}">
+                <a16:creationId xmlns:a16="http://schemas.microsoft.com/office/drawing/2014/main" id="{D3EBE423-A29C-D146-9138-A3F79C269D79}"/>
+              </a:ext>
+            </a:extLst>
+          </p:cNvPr>
+          <p:cNvSpPr>
+            <a:spLocks noGrp="1"/>
+          </p:cNvSpPr>
+          <p:nvPr>
+            <p:ph type="title"/>
+          </p:nvPr>
+        </p:nvSpPr>
+        <p:spPr/>
+        <p:txBody>
+          <a:bodyPr/>
+          <a:lstStyle/>
+          <a:p>
+            <a:r>
+              <a:rPr lang="en-US" dirty="0"/>
+              <a:t>Assume the code is in main</a:t>
+            </a:r>
+          </a:p>
+        </p:txBody>
+      </p:sp>
+      <p:sp>
+        <p:nvSpPr>
+          <p:cNvPr id="3" name="Text Placeholder 2">
+            <a:extLst>
+              <a:ext uri="{FF2B5EF4-FFF2-40B4-BE49-F238E27FC236}">
+                <a16:creationId xmlns:a16="http://schemas.microsoft.com/office/drawing/2014/main" id="{CBFF02CD-4987-2C4F-8CA4-9E9732333CE1}"/>
+              </a:ext>
+            </a:extLst>
+          </p:cNvPr>
+          <p:cNvSpPr>
+            <a:spLocks noGrp="1"/>
+          </p:cNvSpPr>
+          <p:nvPr>
+            <p:ph type="body" idx="1"/>
+          </p:nvPr>
+        </p:nvSpPr>
+        <p:spPr/>
+        <p:txBody>
+          <a:bodyPr/>
+          <a:lstStyle/>
+          <a:p>
+            <a:pPr marL="152396" indent="0">
+              <a:buNone/>
+            </a:pPr>
+            <a:r>
+              <a:rPr lang="en-US" dirty="0">
+                <a:latin typeface="Consolas" panose="020B0609020204030204" pitchFamily="49" charset="0"/>
+                <a:cs typeface="Consolas" panose="020B0609020204030204" pitchFamily="49" charset="0"/>
+              </a:rPr>
+              <a:t>String[] letters = {"a", "b", "c"};</a:t>
+            </a:r>
+          </a:p>
+          <a:p>
+            <a:pPr marL="152396" indent="0">
+              <a:buNone/>
+            </a:pPr>
+            <a:r>
+              <a:rPr lang="en-US" dirty="0">
+                <a:latin typeface="Consolas" panose="020B0609020204030204" pitchFamily="49" charset="0"/>
+                <a:cs typeface="Consolas" panose="020B0609020204030204" pitchFamily="49" charset="0"/>
+              </a:rPr>
+              <a:t>String[] </a:t>
+            </a:r>
+            <a:r>
+              <a:rPr lang="en-US" dirty="0" err="1">
+                <a:latin typeface="Consolas" panose="020B0609020204030204" pitchFamily="49" charset="0"/>
+                <a:cs typeface="Consolas" panose="020B0609020204030204" pitchFamily="49" charset="0"/>
+              </a:rPr>
+              <a:t>lettersAgain</a:t>
+            </a:r>
+            <a:r>
+              <a:rPr lang="en-US" dirty="0">
+                <a:latin typeface="Consolas" panose="020B0609020204030204" pitchFamily="49" charset="0"/>
+                <a:cs typeface="Consolas" panose="020B0609020204030204" pitchFamily="49" charset="0"/>
+              </a:rPr>
+              <a:t> = {"a", "b", "c"};</a:t>
+            </a:r>
+          </a:p>
+          <a:p>
+            <a:pPr marL="152396" indent="0">
+              <a:buNone/>
+            </a:pPr>
+            <a:r>
+              <a:rPr lang="en-US" dirty="0" err="1">
+                <a:latin typeface="Consolas" panose="020B0609020204030204" pitchFamily="49" charset="0"/>
+                <a:cs typeface="Consolas" panose="020B0609020204030204" pitchFamily="49" charset="0"/>
+              </a:rPr>
+              <a:t>lettersAgain</a:t>
+            </a:r>
+            <a:r>
+              <a:rPr lang="en-US" dirty="0">
+                <a:latin typeface="Consolas" panose="020B0609020204030204" pitchFamily="49" charset="0"/>
+                <a:cs typeface="Consolas" panose="020B0609020204030204" pitchFamily="49" charset="0"/>
+              </a:rPr>
+              <a:t>[0] = letters[0];</a:t>
+            </a:r>
+          </a:p>
+          <a:p>
+            <a:pPr marL="152396" indent="0">
+              <a:buNone/>
+            </a:pPr>
+            <a:r>
+              <a:rPr lang="en-US" dirty="0" err="1">
+                <a:latin typeface="Consolas" panose="020B0609020204030204" pitchFamily="49" charset="0"/>
+                <a:cs typeface="Consolas" panose="020B0609020204030204" pitchFamily="49" charset="0"/>
+              </a:rPr>
+              <a:t>lettersAgain</a:t>
+            </a:r>
+            <a:r>
+              <a:rPr lang="en-US" dirty="0">
+                <a:latin typeface="Consolas" panose="020B0609020204030204" pitchFamily="49" charset="0"/>
+                <a:cs typeface="Consolas" panose="020B0609020204030204" pitchFamily="49" charset="0"/>
+              </a:rPr>
+              <a:t>[0] = "Z";</a:t>
+            </a:r>
+          </a:p>
+          <a:p>
+            <a:pPr marL="152396" indent="0">
+              <a:buNone/>
+            </a:pPr>
+            <a:r>
+              <a:rPr lang="en-US" dirty="0">
+                <a:latin typeface="Consolas" panose="020B0609020204030204" pitchFamily="49" charset="0"/>
+                <a:cs typeface="Consolas" panose="020B0609020204030204" pitchFamily="49" charset="0"/>
+              </a:rPr>
+              <a:t>System.out.println(letters[0] + "\t" + </a:t>
+            </a:r>
+            <a:r>
+              <a:rPr lang="en-US" dirty="0" err="1">
+                <a:latin typeface="Consolas" panose="020B0609020204030204" pitchFamily="49" charset="0"/>
+                <a:cs typeface="Consolas" panose="020B0609020204030204" pitchFamily="49" charset="0"/>
+              </a:rPr>
+              <a:t>lettersAgain</a:t>
+            </a:r>
+            <a:r>
+              <a:rPr lang="en-US" dirty="0">
+                <a:latin typeface="Consolas" panose="020B0609020204030204" pitchFamily="49" charset="0"/>
+                <a:cs typeface="Consolas" panose="020B0609020204030204" pitchFamily="49" charset="0"/>
+              </a:rPr>
+              <a:t>[0]);</a:t>
+            </a:r>
+          </a:p>
+          <a:p>
+            <a:pPr marL="152396" indent="0">
+              <a:buNone/>
+            </a:pPr>
+            <a:endParaRPr lang="en-US" dirty="0">
+              <a:latin typeface="Consolas" panose="020B0609020204030204" pitchFamily="49" charset="0"/>
+              <a:cs typeface="Consolas" panose="020B0609020204030204" pitchFamily="49" charset="0"/>
+            </a:endParaRPr>
+          </a:p>
+        </p:txBody>
+      </p:sp>
+      <p:sp>
+        <p:nvSpPr>
+          <p:cNvPr id="4" name="Google Shape;92;p18">
+            <a:extLst>
+              <a:ext uri="{FF2B5EF4-FFF2-40B4-BE49-F238E27FC236}">
+                <a16:creationId xmlns:a16="http://schemas.microsoft.com/office/drawing/2014/main" id="{77CBFF52-80A5-0348-8A16-D7B23BEC439A}"/>
+              </a:ext>
+            </a:extLst>
+          </p:cNvPr>
+          <p:cNvSpPr txBox="1"/>
+          <p:nvPr/>
+        </p:nvSpPr>
+        <p:spPr>
+          <a:xfrm>
+            <a:off x="7225166" y="3516659"/>
+            <a:ext cx="4485667" cy="3084800"/>
+          </a:xfrm>
+          <a:prstGeom prst="rect">
+            <a:avLst/>
+          </a:prstGeom>
+          <a:noFill/>
+          <a:ln>
+            <a:solidFill>
+              <a:schemeClr val="tx1"/>
+            </a:solidFill>
+          </a:ln>
+        </p:spPr>
+        <p:txBody>
+          <a:bodyPr spcFirstLastPara="1" wrap="square" lIns="121900" tIns="121900" rIns="121900" bIns="121900" anchor="t" anchorCtr="0">
+            <a:noAutofit/>
+          </a:bodyPr>
+          <a:lstStyle/>
+          <a:p>
+            <a:r>
+              <a:rPr lang="en-US" sz="2400" dirty="0"/>
+              <a:t>What prints in the print statement?</a:t>
+            </a:r>
+            <a:endParaRPr sz="2400" dirty="0"/>
+          </a:p>
+          <a:p>
+            <a:endParaRPr sz="2400" b="1" dirty="0">
+              <a:latin typeface="Roboto Mono"/>
+              <a:ea typeface="Roboto Mono"/>
+              <a:cs typeface="Roboto Mono"/>
+              <a:sym typeface="Roboto Mono"/>
+            </a:endParaRPr>
+          </a:p>
+          <a:p>
+            <a:r>
+              <a:rPr lang="en" sz="2400" dirty="0">
+                <a:latin typeface="Roboto Mono"/>
+                <a:ea typeface="Roboto Mono"/>
+                <a:cs typeface="Roboto Mono"/>
+                <a:sym typeface="Roboto Mono"/>
+              </a:rPr>
+              <a:t>A: a	a</a:t>
+            </a:r>
+            <a:endParaRPr sz="2400" dirty="0">
+              <a:latin typeface="Roboto Mono"/>
+              <a:ea typeface="Roboto Mono"/>
+              <a:cs typeface="Roboto Mono"/>
+              <a:sym typeface="Roboto Mono"/>
+            </a:endParaRPr>
+          </a:p>
+          <a:p>
+            <a:r>
+              <a:rPr lang="en" sz="2400" dirty="0">
+                <a:latin typeface="Roboto Mono"/>
+                <a:ea typeface="Roboto Mono"/>
+                <a:cs typeface="Roboto Mono"/>
+                <a:sym typeface="Roboto Mono"/>
+              </a:rPr>
+              <a:t>B: Z	a</a:t>
+            </a:r>
+            <a:endParaRPr sz="2400" dirty="0">
+              <a:latin typeface="Roboto Mono"/>
+              <a:ea typeface="Roboto Mono"/>
+              <a:cs typeface="Roboto Mono"/>
+              <a:sym typeface="Roboto Mono"/>
+            </a:endParaRPr>
+          </a:p>
+          <a:p>
+            <a:r>
+              <a:rPr lang="en" sz="2400" dirty="0">
+                <a:highlight>
+                  <a:srgbClr val="FFFF00"/>
+                </a:highlight>
+                <a:latin typeface="Roboto Mono"/>
+                <a:ea typeface="Roboto Mono"/>
+                <a:cs typeface="Roboto Mono"/>
+                <a:sym typeface="Roboto Mono"/>
+              </a:rPr>
+              <a:t>C: a	Z</a:t>
+            </a:r>
+            <a:endParaRPr sz="2400" dirty="0">
+              <a:highlight>
+                <a:srgbClr val="FFFF00"/>
+              </a:highlight>
+              <a:latin typeface="Roboto Mono"/>
+              <a:ea typeface="Roboto Mono"/>
+              <a:cs typeface="Roboto Mono"/>
+              <a:sym typeface="Roboto Mono"/>
+            </a:endParaRPr>
+          </a:p>
+          <a:p>
+            <a:r>
+              <a:rPr lang="en" sz="2400" dirty="0">
+                <a:latin typeface="Roboto Mono"/>
+                <a:ea typeface="Roboto Mono"/>
+                <a:cs typeface="Roboto Mono"/>
+                <a:sym typeface="Roboto Mono"/>
+              </a:rPr>
+              <a:t>D: Z	Z</a:t>
+            </a:r>
+            <a:endParaRPr sz="2400" dirty="0">
+              <a:latin typeface="Roboto Mono"/>
+              <a:ea typeface="Roboto Mono"/>
+              <a:cs typeface="Roboto Mono"/>
+              <a:sym typeface="Roboto Mono"/>
+            </a:endParaRPr>
+          </a:p>
+          <a:p>
+            <a:r>
+              <a:rPr lang="en" sz="2400" dirty="0">
+                <a:latin typeface="Roboto Mono"/>
+                <a:ea typeface="Roboto Mono"/>
+                <a:cs typeface="Roboto Mono"/>
+                <a:sym typeface="Roboto Mono"/>
+              </a:rPr>
+              <a:t>E: </a:t>
+            </a:r>
+            <a:r>
+              <a:rPr lang="en" sz="2400" dirty="0"/>
+              <a:t>None of the above</a:t>
+            </a:r>
+            <a:endParaRPr sz="2400" dirty="0"/>
+          </a:p>
+        </p:txBody>
+      </p:sp>
+    </p:spTree>
+    <p:extLst>
+      <p:ext uri="{BB962C8B-B14F-4D97-AF65-F5344CB8AC3E}">
+        <p14:creationId xmlns:p14="http://schemas.microsoft.com/office/powerpoint/2010/main" val="258379008"/>
+      </p:ext>
+    </p:extLst>
+  </p:cSld>
+  <p:clrMapOvr>
+    <a:masterClrMapping/>
+  </p:clrMapOvr>
+</p:sld>
+</file>
+
+<file path=ppt/slides/slide17.xml><?xml version="1.0" encoding="utf-8"?>
 <p:sld xmlns:a="http://schemas.openxmlformats.org/drawingml/2006/main" xmlns:r="http://schemas.openxmlformats.org/officeDocument/2006/relationships" xmlns:p="http://schemas.openxmlformats.org/presentationml/2006/main">
   <p:cSld>
     <p:spTree>
@@ -8561,10 +8929,10 @@
           <a:p>
             <a:pPr algn="ctr"/>
             <a:r>
-              <a:rPr lang="en" sz="2400"/>
+              <a:rPr lang="en" dirty="0"/>
               <a:t>Higher pitch: greater frequency</a:t>
             </a:r>
-            <a:endParaRPr sz="2400"/>
+            <a:endParaRPr dirty="0"/>
           </a:p>
         </p:txBody>
       </p:sp>
@@ -8581,7 +8949,7 @@
 </p:sld>
 </file>
 
-<file path=ppt/slides/slide17.xml><?xml version="1.0" encoding="utf-8"?>
+<file path=ppt/slides/slide18.xml><?xml version="1.0" encoding="utf-8"?>
 <p:sld xmlns:a="http://schemas.openxmlformats.org/drawingml/2006/main" xmlns:r="http://schemas.openxmlformats.org/officeDocument/2006/relationships" xmlns:p="http://schemas.openxmlformats.org/presentationml/2006/main">
   <p:cSld>
     <p:spTree>
@@ -8791,7 +9159,7 @@
 </p:sld>
 </file>
 
-<file path=ppt/slides/slide18.xml><?xml version="1.0" encoding="utf-8"?>
+<file path=ppt/slides/slide19.xml><?xml version="1.0" encoding="utf-8"?>
 <p:sld xmlns:a="http://schemas.openxmlformats.org/drawingml/2006/main" xmlns:r="http://schemas.openxmlformats.org/officeDocument/2006/relationships" xmlns:p="http://schemas.openxmlformats.org/presentationml/2006/main">
   <p:cSld>
     <p:spTree>
@@ -9309,27 +9677,7 @@
                 <a:latin typeface="Calibri" panose="020F0502020204030204" pitchFamily="34" charset="0"/>
                 <a:cs typeface="Calibri" panose="020F0502020204030204" pitchFamily="34" charset="0"/>
               </a:rPr>
-              <a:t>PA4 due this evening</a:t>
-            </a:r>
-          </a:p>
-          <a:p>
-            <a:pPr lvl="1"/>
-            <a:r>
-              <a:rPr lang="en-US" dirty="0">
-                <a:latin typeface="Calibri" panose="020F0502020204030204" pitchFamily="34" charset="0"/>
-                <a:cs typeface="Calibri" panose="020F0502020204030204" pitchFamily="34" charset="0"/>
-              </a:rPr>
-              <a:t>Includes survey (so we can know how much time you're spending and which resources you're using)</a:t>
-            </a:r>
-          </a:p>
-          <a:p>
-            <a:pPr lvl="1"/>
-            <a:r>
-              <a:rPr lang="en-US" dirty="0">
-                <a:latin typeface="Calibri" panose="020F0502020204030204" pitchFamily="34" charset="0"/>
-                <a:cs typeface="Calibri" panose="020F0502020204030204" pitchFamily="34" charset="0"/>
-              </a:rPr>
-              <a:t>Includes degree planning assignment (used in all lower division CSE courses)</a:t>
+              <a:t>Test 2 Tonight</a:t>
             </a:r>
           </a:p>
           <a:p>
@@ -9344,8 +9692,19 @@
                 <a:latin typeface="Calibri" panose="020F0502020204030204" pitchFamily="34" charset="0"/>
                 <a:cs typeface="Calibri" panose="020F0502020204030204" pitchFamily="34" charset="0"/>
               </a:rPr>
-              <a:t>Test 2 Thursday, same logistics/general policy as last time</a:t>
-            </a:r>
+              <a:t>PA5 (sounds</a:t>
+            </a:r>
+            <a:r>
+              <a:rPr lang="en-US">
+                <a:latin typeface="Calibri" panose="020F0502020204030204" pitchFamily="34" charset="0"/>
+                <a:cs typeface="Calibri" panose="020F0502020204030204" pitchFamily="34" charset="0"/>
+              </a:rPr>
+              <a:t>) released today, due Tuesday</a:t>
+            </a:r>
+            <a:endParaRPr lang="en-US" dirty="0">
+              <a:latin typeface="Calibri" panose="020F0502020204030204" pitchFamily="34" charset="0"/>
+              <a:cs typeface="Calibri" panose="020F0502020204030204" pitchFamily="34" charset="0"/>
+            </a:endParaRPr>
           </a:p>
         </p:txBody>
       </p:sp>
@@ -9421,7 +9780,7 @@
         <p:spPr>
           <a:xfrm>
             <a:off x="482666" y="1896900"/>
-            <a:ext cx="6606031" cy="4423600"/>
+            <a:ext cx="7714566" cy="4423600"/>
           </a:xfrm>
           <a:prstGeom prst="rect">
             <a:avLst/>
@@ -9438,7 +9797,7 @@
           <a:lstStyle/>
           <a:p>
             <a:r>
-              <a:rPr lang="en" sz="1600" dirty="0">
+              <a:rPr lang="en" dirty="0">
                 <a:latin typeface="Consolas" panose="020B0609020204030204" pitchFamily="49" charset="0"/>
                 <a:ea typeface="Roboto Mono"/>
                 <a:cs typeface="Consolas" panose="020B0609020204030204" pitchFamily="49" charset="0"/>
@@ -9447,7 +9806,7 @@
               <a:t>class </a:t>
             </a:r>
             <a:r>
-              <a:rPr lang="en" sz="1600" dirty="0" err="1">
+              <a:rPr lang="en" dirty="0" err="1">
                 <a:latin typeface="Consolas" panose="020B0609020204030204" pitchFamily="49" charset="0"/>
                 <a:ea typeface="Roboto Mono"/>
                 <a:cs typeface="Consolas" panose="020B0609020204030204" pitchFamily="49" charset="0"/>
@@ -9456,7 +9815,7 @@
               <a:t>ArrayExamples</a:t>
             </a:r>
             <a:r>
-              <a:rPr lang="en" sz="1600" dirty="0">
+              <a:rPr lang="en" dirty="0">
                 <a:latin typeface="Consolas" panose="020B0609020204030204" pitchFamily="49" charset="0"/>
                 <a:ea typeface="Roboto Mono"/>
                 <a:cs typeface="Consolas" panose="020B0609020204030204" pitchFamily="49" charset="0"/>
@@ -9467,7 +9826,7 @@
           </a:p>
           <a:p>
             <a:r>
-              <a:rPr lang="en" sz="1600" dirty="0">
+              <a:rPr lang="en" dirty="0">
                 <a:latin typeface="Consolas" panose="020B0609020204030204" pitchFamily="49" charset="0"/>
                 <a:ea typeface="Roboto Mono"/>
                 <a:cs typeface="Consolas" panose="020B0609020204030204" pitchFamily="49" charset="0"/>
@@ -9476,7 +9835,7 @@
               <a:t>  public static void main(String[] </a:t>
             </a:r>
             <a:r>
-              <a:rPr lang="en" sz="1600" dirty="0" err="1">
+              <a:rPr lang="en" dirty="0" err="1">
                 <a:latin typeface="Consolas" panose="020B0609020204030204" pitchFamily="49" charset="0"/>
                 <a:ea typeface="Roboto Mono"/>
                 <a:cs typeface="Consolas" panose="020B0609020204030204" pitchFamily="49" charset="0"/>
@@ -9485,7 +9844,7 @@
               <a:t>args</a:t>
             </a:r>
             <a:r>
-              <a:rPr lang="en" sz="1600" dirty="0">
+              <a:rPr lang="en" dirty="0">
                 <a:latin typeface="Consolas" panose="020B0609020204030204" pitchFamily="49" charset="0"/>
                 <a:ea typeface="Roboto Mono"/>
                 <a:cs typeface="Consolas" panose="020B0609020204030204" pitchFamily="49" charset="0"/>
@@ -9496,7 +9855,7 @@
           </a:p>
           <a:p>
             <a:r>
-              <a:rPr lang="en" sz="1600" dirty="0">
+              <a:rPr lang="en" dirty="0">
                 <a:latin typeface="Consolas" panose="020B0609020204030204" pitchFamily="49" charset="0"/>
                 <a:ea typeface="Roboto Mono"/>
                 <a:cs typeface="Consolas" panose="020B0609020204030204" pitchFamily="49" charset="0"/>
@@ -9505,7 +9864,7 @@
               <a:t>    int[] </a:t>
             </a:r>
             <a:r>
-              <a:rPr lang="en" sz="1600" dirty="0" err="1">
+              <a:rPr lang="en" dirty="0" err="1">
                 <a:latin typeface="Consolas" panose="020B0609020204030204" pitchFamily="49" charset="0"/>
                 <a:ea typeface="Roboto Mono"/>
                 <a:cs typeface="Consolas" panose="020B0609020204030204" pitchFamily="49" charset="0"/>
@@ -9514,7 +9873,7 @@
               <a:t>nums</a:t>
             </a:r>
             <a:r>
-              <a:rPr lang="en" sz="1600" dirty="0">
+              <a:rPr lang="en" dirty="0">
                 <a:latin typeface="Consolas" panose="020B0609020204030204" pitchFamily="49" charset="0"/>
                 <a:ea typeface="Roboto Mono"/>
                 <a:cs typeface="Consolas" panose="020B0609020204030204" pitchFamily="49" charset="0"/>
@@ -9525,7 +9884,7 @@
           </a:p>
           <a:p>
             <a:r>
-              <a:rPr lang="en" sz="1600" dirty="0">
+              <a:rPr lang="en" dirty="0">
                 <a:latin typeface="Consolas" panose="020B0609020204030204" pitchFamily="49" charset="0"/>
                 <a:ea typeface="Roboto Mono"/>
                 <a:cs typeface="Consolas" panose="020B0609020204030204" pitchFamily="49" charset="0"/>
@@ -9534,7 +9893,7 @@
               <a:t>    int numsAt1 = </a:t>
             </a:r>
             <a:r>
-              <a:rPr lang="en" sz="1600" dirty="0" err="1">
+              <a:rPr lang="en" dirty="0" err="1">
                 <a:latin typeface="Consolas" panose="020B0609020204030204" pitchFamily="49" charset="0"/>
                 <a:ea typeface="Roboto Mono"/>
                 <a:cs typeface="Consolas" panose="020B0609020204030204" pitchFamily="49" charset="0"/>
@@ -9543,7 +9902,7 @@
               <a:t>nums</a:t>
             </a:r>
             <a:r>
-              <a:rPr lang="en" sz="1600" dirty="0">
+              <a:rPr lang="en" dirty="0">
                 <a:latin typeface="Consolas" panose="020B0609020204030204" pitchFamily="49" charset="0"/>
                 <a:ea typeface="Roboto Mono"/>
                 <a:cs typeface="Consolas" panose="020B0609020204030204" pitchFamily="49" charset="0"/>
@@ -9554,7 +9913,7 @@
           </a:p>
           <a:p>
             <a:r>
-              <a:rPr lang="en" sz="1600" dirty="0">
+              <a:rPr lang="en" dirty="0">
                 <a:latin typeface="Consolas" panose="020B0609020204030204" pitchFamily="49" charset="0"/>
                 <a:ea typeface="Roboto Mono"/>
                 <a:cs typeface="Consolas" panose="020B0609020204030204" pitchFamily="49" charset="0"/>
@@ -9563,7 +9922,7 @@
               <a:t>    </a:t>
             </a:r>
             <a:r>
-              <a:rPr lang="en" sz="1600" dirty="0" err="1">
+              <a:rPr lang="en" dirty="0" err="1">
                 <a:latin typeface="Consolas" panose="020B0609020204030204" pitchFamily="49" charset="0"/>
                 <a:ea typeface="Roboto Mono"/>
                 <a:cs typeface="Consolas" panose="020B0609020204030204" pitchFamily="49" charset="0"/>
@@ -9572,7 +9931,7 @@
               <a:t>nums</a:t>
             </a:r>
             <a:r>
-              <a:rPr lang="en" sz="1600" dirty="0">
+              <a:rPr lang="en" dirty="0">
                 <a:latin typeface="Consolas" panose="020B0609020204030204" pitchFamily="49" charset="0"/>
                 <a:ea typeface="Roboto Mono"/>
                 <a:cs typeface="Consolas" panose="020B0609020204030204" pitchFamily="49" charset="0"/>
@@ -9583,7 +9942,7 @@
           </a:p>
           <a:p>
             <a:r>
-              <a:rPr lang="en" sz="1600" dirty="0">
+              <a:rPr lang="en" dirty="0">
                 <a:latin typeface="Consolas" panose="020B0609020204030204" pitchFamily="49" charset="0"/>
                 <a:ea typeface="Roboto Mono"/>
                 <a:cs typeface="Consolas" panose="020B0609020204030204" pitchFamily="49" charset="0"/>
@@ -9592,7 +9951,7 @@
               <a:t>    int numsAt1After = </a:t>
             </a:r>
             <a:r>
-              <a:rPr lang="en" sz="1600" dirty="0" err="1">
+              <a:rPr lang="en" dirty="0" err="1">
                 <a:latin typeface="Consolas" panose="020B0609020204030204" pitchFamily="49" charset="0"/>
                 <a:ea typeface="Roboto Mono"/>
                 <a:cs typeface="Consolas" panose="020B0609020204030204" pitchFamily="49" charset="0"/>
@@ -9601,7 +9960,7 @@
               <a:t>nums</a:t>
             </a:r>
             <a:r>
-              <a:rPr lang="en" sz="1600" dirty="0">
+              <a:rPr lang="en" dirty="0">
                 <a:latin typeface="Consolas" panose="020B0609020204030204" pitchFamily="49" charset="0"/>
                 <a:ea typeface="Roboto Mono"/>
                 <a:cs typeface="Consolas" panose="020B0609020204030204" pitchFamily="49" charset="0"/>
@@ -9612,7 +9971,7 @@
           </a:p>
           <a:p>
             <a:r>
-              <a:rPr lang="en" sz="1600" dirty="0">
+              <a:rPr lang="en" dirty="0">
                 <a:latin typeface="Consolas" panose="020B0609020204030204" pitchFamily="49" charset="0"/>
                 <a:ea typeface="Roboto Mono"/>
                 <a:cs typeface="Consolas" panose="020B0609020204030204" pitchFamily="49" charset="0"/>
@@ -9621,7 +9980,7 @@
               <a:t>    </a:t>
             </a:r>
             <a:r>
-              <a:rPr lang="en" sz="1600" dirty="0" err="1">
+              <a:rPr lang="en" dirty="0" err="1">
                 <a:latin typeface="Consolas" panose="020B0609020204030204" pitchFamily="49" charset="0"/>
                 <a:ea typeface="Roboto Mono"/>
                 <a:cs typeface="Consolas" panose="020B0609020204030204" pitchFamily="49" charset="0"/>
@@ -9630,7 +9989,7 @@
               <a:t>System.out.println</a:t>
             </a:r>
             <a:r>
-              <a:rPr lang="en" sz="1600" dirty="0">
+              <a:rPr lang="en" dirty="0">
                 <a:latin typeface="Consolas" panose="020B0609020204030204" pitchFamily="49" charset="0"/>
                 <a:ea typeface="Roboto Mono"/>
                 <a:cs typeface="Consolas" panose="020B0609020204030204" pitchFamily="49" charset="0"/>
@@ -9641,7 +10000,7 @@
           </a:p>
           <a:p>
             <a:r>
-              <a:rPr lang="en" sz="1600" dirty="0">
+              <a:rPr lang="en" dirty="0">
                 <a:latin typeface="Consolas" panose="020B0609020204030204" pitchFamily="49" charset="0"/>
                 <a:ea typeface="Roboto Mono"/>
                 <a:cs typeface="Consolas" panose="020B0609020204030204" pitchFamily="49" charset="0"/>
@@ -9652,7 +10011,7 @@
           </a:p>
           <a:p>
             <a:r>
-              <a:rPr lang="en" sz="1600" dirty="0">
+              <a:rPr lang="en" dirty="0">
                 <a:latin typeface="Consolas" panose="020B0609020204030204" pitchFamily="49" charset="0"/>
                 <a:ea typeface="Roboto Mono"/>
                 <a:cs typeface="Consolas" panose="020B0609020204030204" pitchFamily="49" charset="0"/>
@@ -9662,7 +10021,7 @@
             </a:r>
           </a:p>
           <a:p>
-            <a:endParaRPr sz="1600" dirty="0">
+            <a:endParaRPr dirty="0">
               <a:latin typeface="Roboto Mono"/>
               <a:ea typeface="Roboto Mono"/>
               <a:cs typeface="Roboto Mono"/>
@@ -9679,7 +10038,7 @@
         </p:nvSpPr>
         <p:spPr>
           <a:xfrm>
-            <a:off x="7225166" y="3516659"/>
+            <a:off x="7706333" y="3461692"/>
             <a:ext cx="4485667" cy="3084800"/>
           </a:xfrm>
           <a:prstGeom prst="rect">
@@ -9749,6 +10108,9 @@
           <a:p>
             <a:r>
               <a:rPr lang="en" sz="2400" dirty="0">
+                <a:highlight>
+                  <a:srgbClr val="FFFF00"/>
+                </a:highlight>
                 <a:latin typeface="Roboto Mono"/>
                 <a:ea typeface="Roboto Mono"/>
                 <a:cs typeface="Roboto Mono"/>
@@ -9757,6 +10119,9 @@
               <a:t>C: 56	100</a:t>
             </a:r>
             <a:endParaRPr sz="2400" dirty="0">
+              <a:highlight>
+                <a:srgbClr val="FFFF00"/>
+              </a:highlight>
               <a:latin typeface="Roboto Mono"/>
               <a:ea typeface="Roboto Mono"/>
               <a:cs typeface="Roboto Mono"/>
@@ -9771,7 +10136,7 @@
                 <a:cs typeface="Roboto Mono"/>
                 <a:sym typeface="Roboto Mono"/>
               </a:rPr>
-              <a:t>D: 100	56</a:t>
+              <a:t>D: 100	 56</a:t>
             </a:r>
             <a:endParaRPr sz="2400" dirty="0">
               <a:latin typeface="Roboto Mono"/>
@@ -9806,7 +10171,7 @@
         </p:nvSpPr>
         <p:spPr>
           <a:xfrm>
-            <a:off x="8638300" y="648334"/>
+            <a:off x="9119467" y="593367"/>
             <a:ext cx="2458800" cy="612000"/>
           </a:xfrm>
           <a:prstGeom prst="rect">
@@ -9867,7 +10232,7 @@
         </p:nvSpPr>
         <p:spPr>
           <a:xfrm>
-            <a:off x="7225166" y="1264601"/>
+            <a:off x="7706333" y="1209634"/>
             <a:ext cx="4349197" cy="1138400"/>
           </a:xfrm>
           <a:prstGeom prst="rect">
@@ -10301,7 +10666,7 @@
           <p:nvPr>
             <p:extLst>
               <p:ext uri="{D42A27DB-BD31-4B8C-83A1-F6EECF244321}">
-                <p14:modId xmlns:p14="http://schemas.microsoft.com/office/powerpoint/2010/main" val="2762046643"/>
+                <p14:modId xmlns:p14="http://schemas.microsoft.com/office/powerpoint/2010/main" val="914439300"/>
               </p:ext>
             </p:extLst>
           </p:nvPr>
@@ -10324,14 +10689,14 @@
                     </a:ext>
                   </a:extLst>
                 </a:gridCol>
-                <a:gridCol w="1418233">
+                <a:gridCol w="1548873">
                   <a:extLst>
                     <a:ext uri="{9D8B030D-6E8A-4147-A177-3AD203B41FA5}">
                       <a16:colId xmlns:a16="http://schemas.microsoft.com/office/drawing/2014/main" val="20001"/>
                     </a:ext>
                   </a:extLst>
                 </a:gridCol>
-                <a:gridCol w="2304700">
+                <a:gridCol w="2174060">
                   <a:extLst>
                     <a:ext uri="{9D8B030D-6E8A-4147-A177-3AD203B41FA5}">
                       <a16:colId xmlns:a16="http://schemas.microsoft.com/office/drawing/2014/main" val="20002"/>
@@ -11221,14 +11586,14 @@
           <p:nvPr>
             <p:extLst>
               <p:ext uri="{D42A27DB-BD31-4B8C-83A1-F6EECF244321}">
-                <p14:modId xmlns:p14="http://schemas.microsoft.com/office/powerpoint/2010/main" val="3063571"/>
+                <p14:modId xmlns:p14="http://schemas.microsoft.com/office/powerpoint/2010/main" val="3033839868"/>
               </p:ext>
             </p:extLst>
           </p:nvPr>
         </p:nvGraphicFramePr>
         <p:xfrm>
           <a:off x="6767534" y="1975140"/>
-          <a:ext cx="5424466" cy="2641560"/>
+          <a:ext cx="5424466" cy="2865040"/>
         </p:xfrm>
         <a:graphic>
           <a:graphicData uri="http://schemas.openxmlformats.org/drawingml/2006/table">
@@ -11745,7 +12110,7 @@
                           <a:cs typeface="Roboto Mono"/>
                           <a:sym typeface="Roboto Mono"/>
                         </a:rPr>
-                        <a:t>nums</a:t>
+                        <a:t>maybeCopy</a:t>
                       </a:r>
                       <a:endParaRPr sz="1600" dirty="0">
                         <a:latin typeface="Roboto Mono"/>
@@ -12244,11 +12609,17 @@
             </a:extLst>
           </p:cNvPr>
           <p:cNvGraphicFramePr/>
-          <p:nvPr/>
+          <p:nvPr>
+            <p:extLst>
+              <p:ext uri="{D42A27DB-BD31-4B8C-83A1-F6EECF244321}">
+                <p14:modId xmlns:p14="http://schemas.microsoft.com/office/powerpoint/2010/main" val="1786882329"/>
+              </p:ext>
+            </p:extLst>
+          </p:nvPr>
         </p:nvGraphicFramePr>
         <p:xfrm>
           <a:off x="6767534" y="1975140"/>
-          <a:ext cx="5424466" cy="2641560"/>
+          <a:ext cx="5424466" cy="2865040"/>
         </p:xfrm>
         <a:graphic>
           <a:graphicData uri="http://schemas.openxmlformats.org/drawingml/2006/table">
@@ -12765,7 +13136,7 @@
                           <a:cs typeface="Roboto Mono"/>
                           <a:sym typeface="Roboto Mono"/>
                         </a:rPr>
-                        <a:t>nums</a:t>
+                        <a:t>maybeCopy</a:t>
                       </a:r>
                       <a:endParaRPr sz="1600" dirty="0">
                         <a:latin typeface="Roboto Mono"/>
@@ -12808,7 +13179,28 @@
                           <a:cs typeface="Roboto Mono"/>
                           <a:sym typeface="Roboto Mono"/>
                         </a:rPr>
-                        <a:t>{42, 100, 77}</a:t>
+                        <a:t>{42, 100, </a:t>
+                      </a:r>
+                      <a:r>
+                        <a:rPr lang="en-US" sz="1600" dirty="0">
+                          <a:highlight>
+                            <a:srgbClr val="FFFF00"/>
+                          </a:highlight>
+                          <a:latin typeface="Roboto Mono"/>
+                          <a:ea typeface="Roboto Mono"/>
+                          <a:cs typeface="Roboto Mono"/>
+                          <a:sym typeface="Roboto Mono"/>
+                        </a:rPr>
+                        <a:t>77</a:t>
+                      </a:r>
+                      <a:r>
+                        <a:rPr lang="en-US" sz="1600" dirty="0">
+                          <a:latin typeface="Roboto Mono"/>
+                          <a:ea typeface="Roboto Mono"/>
+                          <a:cs typeface="Roboto Mono"/>
+                          <a:sym typeface="Roboto Mono"/>
+                        </a:rPr>
+                        <a:t>}</a:t>
                       </a:r>
                       <a:endParaRPr sz="1600" dirty="0">
                         <a:latin typeface="Roboto Mono"/>
@@ -13015,7 +13407,7 @@
                 <a:cs typeface="Roboto Mono"/>
                 <a:sym typeface="Roboto Mono"/>
               </a:rPr>
-              <a:t>{42, 56, 77}</a:t>
+              <a:t>{42, 100, 77}</a:t>
             </a:r>
             <a:endParaRPr sz="2400" dirty="0">
               <a:solidFill>
@@ -13090,7 +13482,7 @@
                 <a:cs typeface="Roboto Mono"/>
                 <a:sym typeface="Roboto Mono"/>
               </a:rPr>
-              <a:t>{42, 56, 999}</a:t>
+              <a:t>{42, 100, 999}</a:t>
             </a:r>
             <a:endParaRPr sz="1600" b="1" dirty="0">
               <a:solidFill>
@@ -13643,7 +14035,7 @@
           <p:nvPr>
             <p:extLst>
               <p:ext uri="{D42A27DB-BD31-4B8C-83A1-F6EECF244321}">
-                <p14:modId xmlns:p14="http://schemas.microsoft.com/office/powerpoint/2010/main" val="1042862104"/>
+                <p14:modId xmlns:p14="http://schemas.microsoft.com/office/powerpoint/2010/main" val="4019304771"/>
               </p:ext>
             </p:extLst>
           </p:nvPr>
@@ -13666,14 +14058,14 @@
                     </a:ext>
                   </a:extLst>
                 </a:gridCol>
-                <a:gridCol w="1697388">
+                <a:gridCol w="1526713">
                   <a:extLst>
                     <a:ext uri="{9D8B030D-6E8A-4147-A177-3AD203B41FA5}">
                       <a16:colId xmlns:a16="http://schemas.microsoft.com/office/drawing/2014/main" val="20001"/>
                     </a:ext>
                   </a:extLst>
                 </a:gridCol>
-                <a:gridCol w="1655427">
+                <a:gridCol w="1826102">
                   <a:extLst>
                     <a:ext uri="{9D8B030D-6E8A-4147-A177-3AD203B41FA5}">
                       <a16:colId xmlns:a16="http://schemas.microsoft.com/office/drawing/2014/main" val="20002"/>
@@ -14167,7 +14559,7 @@
                           <a:cs typeface="Roboto Mono"/>
                           <a:sym typeface="Roboto Mono"/>
                         </a:rPr>
-                        <a:t>nums</a:t>
+                        <a:t>maybeCopy</a:t>
                       </a:r>
                       <a:endParaRPr sz="1600" dirty="0">
                         <a:latin typeface="Roboto Mono"/>
@@ -16322,6 +16714,45 @@
             <a:r>
               <a:rPr lang="en" sz="2400" dirty="0"/>
               <a:t>The Heap</a:t>
+            </a:r>
+            <a:endParaRPr sz="2400" dirty="0"/>
+          </a:p>
+        </p:txBody>
+      </p:sp>
+      <p:sp>
+        <p:nvSpPr>
+          <p:cNvPr id="8" name="Google Shape;138;p23">
+            <a:extLst>
+              <a:ext uri="{FF2B5EF4-FFF2-40B4-BE49-F238E27FC236}">
+                <a16:creationId xmlns:a16="http://schemas.microsoft.com/office/drawing/2014/main" id="{E9442E7D-3300-4E49-A5D3-CD83EACA6D25}"/>
+              </a:ext>
+            </a:extLst>
+          </p:cNvPr>
+          <p:cNvSpPr txBox="1"/>
+          <p:nvPr/>
+        </p:nvSpPr>
+        <p:spPr>
+          <a:xfrm>
+            <a:off x="5055405" y="1967634"/>
+            <a:ext cx="2320956" cy="612000"/>
+          </a:xfrm>
+          <a:prstGeom prst="rect">
+            <a:avLst/>
+          </a:prstGeom>
+          <a:noFill/>
+          <a:ln>
+            <a:noFill/>
+          </a:ln>
+        </p:spPr>
+        <p:txBody>
+          <a:bodyPr spcFirstLastPara="1" wrap="square" lIns="121900" tIns="121900" rIns="121900" bIns="121900" anchor="t" anchorCtr="0">
+            <a:noAutofit/>
+          </a:bodyPr>
+          <a:lstStyle/>
+          <a:p>
+            <a:r>
+              <a:rPr lang="en" sz="2400" dirty="0"/>
+              <a:t>The Stack</a:t>
             </a:r>
             <a:endParaRPr sz="2400" dirty="0"/>
           </a:p>
